--- a/Class 22 Deep Learning- What's It All About.pptx
+++ b/Class 22 Deep Learning- What's It All About.pptx
@@ -5,7 +5,7 @@
     <p:sldMasterId id="2147483702" r:id="rId1"/>
   </p:sldMasterIdLst>
   <p:notesMasterIdLst>
-    <p:notesMasterId r:id="rId31"/>
+    <p:notesMasterId r:id="rId34"/>
   </p:notesMasterIdLst>
   <p:sldIdLst>
     <p:sldId id="256" r:id="rId2"/>
@@ -37,6 +37,9 @@
     <p:sldId id="381" r:id="rId28"/>
     <p:sldId id="382" r:id="rId29"/>
     <p:sldId id="383" r:id="rId30"/>
+    <p:sldId id="384" r:id="rId31"/>
+    <p:sldId id="385" r:id="rId32"/>
+    <p:sldId id="386" r:id="rId33"/>
   </p:sldIdLst>
   <p:sldSz cx="12192000" cy="6858000"/>
   <p:notesSz cx="6858000" cy="9144000"/>
@@ -3259,7 +3262,7 @@
           <a:p>
             <a:fld id="{DE4AB576-3C4B-4818-8AA4-97FC8EE79D0A}" type="datetimeFigureOut">
               <a:rPr lang="en-US" smtClean="0"/>
-              <a:t>4/20/2023</a:t>
+              <a:t>4/25/2023</a:t>
             </a:fld>
             <a:endParaRPr lang="en-US"/>
           </a:p>
@@ -3712,7 +3715,7 @@
           <a:p>
             <a:fld id="{D49EE5AC-2EF0-4555-AC29-47A2893F2442}" type="datetime1">
               <a:rPr lang="en-US" smtClean="0"/>
-              <a:t>4/20/2023</a:t>
+              <a:t>4/25/2023</a:t>
             </a:fld>
             <a:endParaRPr lang="en-US" dirty="0"/>
           </a:p>
@@ -3990,7 +3993,7 @@
           <a:p>
             <a:fld id="{C3235BDE-DE48-4906-A290-73767EB595FE}" type="datetime1">
               <a:rPr lang="en-US" smtClean="0"/>
-              <a:t>4/20/2023</a:t>
+              <a:t>4/25/2023</a:t>
             </a:fld>
             <a:endParaRPr lang="en-US" dirty="0"/>
           </a:p>
@@ -4188,7 +4191,7 @@
           <a:p>
             <a:fld id="{53DDA031-0AD7-4E0E-8DAC-B4E366270BDF}" type="datetime1">
               <a:rPr lang="en-US" smtClean="0"/>
-              <a:t>4/20/2023</a:t>
+              <a:t>4/25/2023</a:t>
             </a:fld>
             <a:endParaRPr lang="en-US" dirty="0"/>
           </a:p>
@@ -4465,7 +4468,7 @@
           <a:p>
             <a:fld id="{91725A6C-98EC-4972-ABD3-E88CE4254514}" type="datetime1">
               <a:rPr lang="en-US" smtClean="0"/>
-              <a:t>4/20/2023</a:t>
+              <a:t>4/25/2023</a:t>
             </a:fld>
             <a:endParaRPr lang="en-US" dirty="0"/>
           </a:p>
@@ -4810,7 +4813,7 @@
           <a:p>
             <a:fld id="{6B97AE15-5221-4298-9948-566BB2D48149}" type="datetime1">
               <a:rPr lang="en-US" smtClean="0"/>
-              <a:t>4/20/2023</a:t>
+              <a:t>4/25/2023</a:t>
             </a:fld>
             <a:endParaRPr lang="en-US" dirty="0"/>
           </a:p>
@@ -5437,7 +5440,7 @@
           <a:p>
             <a:fld id="{262C9770-2E7A-4609-9D17-0DE2CA2222F0}" type="datetime1">
               <a:rPr lang="en-US" smtClean="0"/>
-              <a:t>4/20/2023</a:t>
+              <a:t>4/25/2023</a:t>
             </a:fld>
             <a:endParaRPr lang="en-US" dirty="0"/>
           </a:p>
@@ -6301,7 +6304,7 @@
           <a:p>
             <a:fld id="{65BF0C3E-D960-4900-878F-474AA93797F1}" type="datetime1">
               <a:rPr lang="en-US" smtClean="0"/>
-              <a:t>4/20/2023</a:t>
+              <a:t>4/25/2023</a:t>
             </a:fld>
             <a:endParaRPr lang="en-US" dirty="0"/>
           </a:p>
@@ -6475,7 +6478,7 @@
           <a:p>
             <a:fld id="{242EF861-E744-4B47-B227-A05186251D55}" type="datetime1">
               <a:rPr lang="en-US" smtClean="0"/>
-              <a:t>4/20/2023</a:t>
+              <a:t>4/25/2023</a:t>
             </a:fld>
             <a:endParaRPr lang="en-US"/>
           </a:p>
@@ -6658,7 +6661,7 @@
           <a:p>
             <a:fld id="{D032A572-63D4-4A4F-8F99-D7530B5F3559}" type="datetime1">
               <a:rPr lang="en-US" smtClean="0"/>
-              <a:t>4/20/2023</a:t>
+              <a:t>4/25/2023</a:t>
             </a:fld>
             <a:endParaRPr lang="en-US"/>
           </a:p>
@@ -6836,7 +6839,7 @@
           <a:p>
             <a:fld id="{D511BB68-1BD3-45B2-9A3D-478090D99416}" type="datetime1">
               <a:rPr lang="en-US" smtClean="0"/>
-              <a:t>4/20/2023</a:t>
+              <a:t>4/25/2023</a:t>
             </a:fld>
             <a:endParaRPr lang="en-US"/>
           </a:p>
@@ -7096,7 +7099,7 @@
           <a:p>
             <a:fld id="{7A80DF8A-D383-472C-B676-89071ECC6FAA}" type="datetime1">
               <a:rPr lang="en-US" smtClean="0"/>
-              <a:t>4/20/2023</a:t>
+              <a:t>4/25/2023</a:t>
             </a:fld>
             <a:endParaRPr lang="en-US"/>
           </a:p>
@@ -7391,7 +7394,7 @@
           <a:p>
             <a:fld id="{331B28B9-AEC3-4AC7-A96B-C228F223C3DC}" type="datetime1">
               <a:rPr lang="en-US" smtClean="0"/>
-              <a:t>4/20/2023</a:t>
+              <a:t>4/25/2023</a:t>
             </a:fld>
             <a:endParaRPr lang="en-US"/>
           </a:p>
@@ -7838,7 +7841,7 @@
           <a:p>
             <a:fld id="{BD7F7386-AC50-4779-8BA0-C21410DCA21C}" type="datetime1">
               <a:rPr lang="en-US" smtClean="0"/>
-              <a:t>4/20/2023</a:t>
+              <a:t>4/25/2023</a:t>
             </a:fld>
             <a:endParaRPr lang="en-US"/>
           </a:p>
@@ -7959,7 +7962,7 @@
           <a:p>
             <a:fld id="{4645A086-C693-4256-BFC6-38BDA3DB83BD}" type="datetime1">
               <a:rPr lang="en-US" smtClean="0"/>
-              <a:t>4/20/2023</a:t>
+              <a:t>4/25/2023</a:t>
             </a:fld>
             <a:endParaRPr lang="en-US"/>
           </a:p>
@@ -8057,7 +8060,7 @@
           <a:p>
             <a:fld id="{823B7851-F9AA-480F-A5A7-8232F5DE193F}" type="datetime1">
               <a:rPr lang="en-US" smtClean="0"/>
-              <a:t>4/20/2023</a:t>
+              <a:t>4/25/2023</a:t>
             </a:fld>
             <a:endParaRPr lang="en-US"/>
           </a:p>
@@ -8339,7 +8342,7 @@
           <a:p>
             <a:fld id="{3FAD8C48-62C8-4EFC-BD62-1ED68DE99A58}" type="datetime1">
               <a:rPr lang="en-US" smtClean="0"/>
-              <a:t>4/20/2023</a:t>
+              <a:t>4/25/2023</a:t>
             </a:fld>
             <a:endParaRPr lang="en-US"/>
           </a:p>
@@ -8617,7 +8620,7 @@
           <a:p>
             <a:fld id="{213BCA98-C4A1-4DE7-801D-EC8534383335}" type="datetime1">
               <a:rPr lang="en-US" smtClean="0"/>
-              <a:t>4/20/2023</a:t>
+              <a:t>4/25/2023</a:t>
             </a:fld>
             <a:endParaRPr lang="en-US"/>
           </a:p>
@@ -9049,7 +9052,7 @@
           <a:p>
             <a:fld id="{576D4746-9BA7-4B4B-B721-0CBECA23DD9F}" type="datetime1">
               <a:rPr lang="en-US" smtClean="0"/>
-              <a:t>4/20/2023</a:t>
+              <a:t>4/25/2023</a:t>
             </a:fld>
             <a:endParaRPr lang="en-US" dirty="0"/>
           </a:p>
@@ -10597,15 +10600,7 @@
           <a:p>
             <a:r>
               <a:rPr lang="en-US" dirty="0"/>
-              <a:t>So, in </a:t>
-            </a:r>
-            <a:r>
-              <a:rPr lang="en-US" dirty="0" err="1"/>
-              <a:t>Keras</a:t>
-            </a:r>
-            <a:r>
-              <a:rPr lang="en-US" dirty="0"/>
-              <a:t>…</a:t>
+              <a:t>So, in Keras…</a:t>
             </a:r>
           </a:p>
         </p:txBody>
@@ -11129,15 +11124,7 @@
             </a:pPr>
             <a:r>
               <a:rPr lang="en-US" sz="1400" dirty="0"/>
-              <a:t>Easy to do all of these in </a:t>
-            </a:r>
-            <a:r>
-              <a:rPr lang="en-US" sz="1400" dirty="0" err="1"/>
-              <a:t>Keras</a:t>
-            </a:r>
-            <a:r>
-              <a:rPr lang="en-US" sz="1400" dirty="0"/>
-              <a:t> or PyTorch</a:t>
+              <a:t>Easy to do all of these in Keras or PyTorch</a:t>
             </a:r>
           </a:p>
           <a:p>
@@ -14525,7 +14512,7 @@
         </p:blipFill>
         <p:spPr>
           <a:xfrm>
-            <a:off x="3569512" y="1425876"/>
+            <a:off x="5729858" y="1204602"/>
             <a:ext cx="5991361" cy="5200680"/>
           </a:xfrm>
           <a:prstGeom prst="rect">
@@ -14533,6 +14520,75 @@
           </a:prstGeom>
         </p:spPr>
       </p:pic>
+      <p:sp>
+        <p:nvSpPr>
+          <p:cNvPr id="3" name="TextBox 2">
+            <a:extLst>
+              <a:ext uri="{FF2B5EF4-FFF2-40B4-BE49-F238E27FC236}">
+                <a16:creationId xmlns:a16="http://schemas.microsoft.com/office/drawing/2014/main" id="{28820AB6-CE24-CBAD-F871-625590CC3332}"/>
+              </a:ext>
+            </a:extLst>
+          </p:cNvPr>
+          <p:cNvSpPr txBox="1"/>
+          <p:nvPr/>
+        </p:nvSpPr>
+        <p:spPr>
+          <a:xfrm>
+            <a:off x="470781" y="1273474"/>
+            <a:ext cx="5201160" cy="2308324"/>
+          </a:xfrm>
+          <a:prstGeom prst="rect">
+            <a:avLst/>
+          </a:prstGeom>
+          <a:noFill/>
+        </p:spPr>
+        <p:txBody>
+          <a:bodyPr wrap="square" rtlCol="0">
+            <a:spAutoFit/>
+          </a:bodyPr>
+          <a:lstStyle/>
+          <a:p>
+            <a:pPr marL="285750" indent="-285750">
+              <a:buFont typeface="Arial" panose="020B0604020202020204" pitchFamily="34" charset="0"/>
+              <a:buChar char="•"/>
+            </a:pPr>
+            <a:r>
+              <a:rPr lang="en-US" dirty="0"/>
+              <a:t>At the end of the day, these are all HEURISTICS</a:t>
+            </a:r>
+          </a:p>
+          <a:p>
+            <a:pPr marL="285750" indent="-285750">
+              <a:buFont typeface="Arial" panose="020B0604020202020204" pitchFamily="34" charset="0"/>
+              <a:buChar char="•"/>
+            </a:pPr>
+            <a:r>
+              <a:rPr lang="en-US" dirty="0"/>
+              <a:t>No one can be stated as the best approach for any particular problem</a:t>
+            </a:r>
+          </a:p>
+          <a:p>
+            <a:pPr marL="285750" indent="-285750">
+              <a:buFont typeface="Arial" panose="020B0604020202020204" pitchFamily="34" charset="0"/>
+              <a:buChar char="•"/>
+            </a:pPr>
+            <a:r>
+              <a:rPr lang="en-US" dirty="0"/>
+              <a:t>Re-randomize your weights and success can turn into failure</a:t>
+            </a:r>
+          </a:p>
+          <a:p>
+            <a:pPr marL="285750" indent="-285750">
+              <a:buFont typeface="Arial" panose="020B0604020202020204" pitchFamily="34" charset="0"/>
+              <a:buChar char="•"/>
+            </a:pPr>
+            <a:r>
+              <a:rPr lang="en-US" dirty="0"/>
+              <a:t>You might want to just design your own for some particular commercial problem</a:t>
+            </a:r>
+          </a:p>
+        </p:txBody>
+      </p:sp>
     </p:spTree>
     <p:extLst>
       <p:ext uri="{BB962C8B-B14F-4D97-AF65-F5344CB8AC3E}">
@@ -14615,13 +14671,13 @@
         </p:spPr>
         <p:txBody>
           <a:bodyPr>
-            <a:normAutofit fontScale="85000" lnSpcReduction="20000"/>
+            <a:normAutofit fontScale="77500" lnSpcReduction="20000"/>
           </a:bodyPr>
           <a:lstStyle/>
           <a:p>
             <a:r>
               <a:rPr lang="en-US" dirty="0"/>
-              <a:t>Often we will try to schedule it ourselves!</a:t>
+              <a:t>A major improvement over “dumb” adaptive learning rate: schedule it ourselves!</a:t>
             </a:r>
           </a:p>
           <a:p>
@@ -14697,13 +14753,8 @@
             <a:pPr lvl="2"/>
             <a:r>
               <a:rPr lang="en-US" dirty="0"/>
-              <a:t>Almost like a </a:t>
-            </a:r>
-            <a:r>
-              <a:rPr lang="en-US"/>
-              <a:t>triangle wave!</a:t>
-            </a:r>
-            <a:endParaRPr lang="en-US" dirty="0"/>
+              <a:t>Almost like a triangle wave!</a:t>
+            </a:r>
           </a:p>
         </p:txBody>
       </p:sp>
@@ -14886,18 +14937,14 @@
           <a:p>
             <a:r>
               <a:rPr lang="en-US" dirty="0"/>
-              <a:t>Or, build a function and pass it into the optimizer</a:t>
+              <a:t>Or you can build a function and pass it into the optimizer</a:t>
             </a:r>
           </a:p>
           <a:p>
             <a:pPr lvl="1"/>
             <a:r>
-              <a:rPr lang="en-US" dirty="0" err="1"/>
-              <a:t>Keras</a:t>
-            </a:r>
-            <a:r>
               <a:rPr lang="en-US" dirty="0"/>
-              <a:t> flavors shown</a:t>
+              <a:t>Keras flavors shown</a:t>
             </a:r>
           </a:p>
         </p:txBody>
@@ -16446,6 +16493,602 @@
     <p:extLst>
       <p:ext uri="{BB962C8B-B14F-4D97-AF65-F5344CB8AC3E}">
         <p14:creationId xmlns:p14="http://schemas.microsoft.com/office/powerpoint/2010/main" val="3020813477"/>
+      </p:ext>
+    </p:extLst>
+  </p:cSld>
+  <p:clrMapOvr>
+    <a:masterClrMapping/>
+  </p:clrMapOvr>
+</p:sld>
+</file>
+
+<file path=ppt/slides/slide30.xml><?xml version="1.0" encoding="utf-8"?>
+<p:sld xmlns:a="http://schemas.openxmlformats.org/drawingml/2006/main" xmlns:r="http://schemas.openxmlformats.org/officeDocument/2006/relationships" xmlns:p="http://schemas.openxmlformats.org/presentationml/2006/main">
+  <p:cSld>
+    <p:spTree>
+      <p:nvGrpSpPr>
+        <p:cNvPr id="1" name=""/>
+        <p:cNvGrpSpPr/>
+        <p:nvPr/>
+      </p:nvGrpSpPr>
+      <p:grpSpPr>
+        <a:xfrm>
+          <a:off x="0" y="0"/>
+          <a:ext cx="0" cy="0"/>
+          <a:chOff x="0" y="0"/>
+          <a:chExt cx="0" cy="0"/>
+        </a:xfrm>
+      </p:grpSpPr>
+      <p:sp>
+        <p:nvSpPr>
+          <p:cNvPr id="2" name="Title 1">
+            <a:extLst>
+              <a:ext uri="{FF2B5EF4-FFF2-40B4-BE49-F238E27FC236}">
+                <a16:creationId xmlns:a16="http://schemas.microsoft.com/office/drawing/2014/main" id="{61EE9DBC-0EB3-12BD-8DFC-24CE7FB31EBB}"/>
+              </a:ext>
+            </a:extLst>
+          </p:cNvPr>
+          <p:cNvSpPr>
+            <a:spLocks noGrp="1"/>
+          </p:cNvSpPr>
+          <p:nvPr>
+            <p:ph type="title"/>
+          </p:nvPr>
+        </p:nvSpPr>
+        <p:spPr/>
+        <p:txBody>
+          <a:bodyPr/>
+          <a:lstStyle/>
+          <a:p>
+            <a:r>
+              <a:rPr lang="en-US" dirty="0"/>
+              <a:t>Final Comments from the Author:</a:t>
+            </a:r>
+          </a:p>
+        </p:txBody>
+      </p:sp>
+      <p:sp>
+        <p:nvSpPr>
+          <p:cNvPr id="4" name="Footer Placeholder 3">
+            <a:extLst>
+              <a:ext uri="{FF2B5EF4-FFF2-40B4-BE49-F238E27FC236}">
+                <a16:creationId xmlns:a16="http://schemas.microsoft.com/office/drawing/2014/main" id="{778A9F18-5EBF-9E3C-9D97-368306D53994}"/>
+              </a:ext>
+            </a:extLst>
+          </p:cNvPr>
+          <p:cNvSpPr>
+            <a:spLocks noGrp="1"/>
+          </p:cNvSpPr>
+          <p:nvPr>
+            <p:ph type="ftr" sz="quarter" idx="11"/>
+          </p:nvPr>
+        </p:nvSpPr>
+        <p:spPr/>
+        <p:txBody>
+          <a:bodyPr/>
+          <a:lstStyle/>
+          <a:p>
+            <a:r>
+              <a:rPr lang="en-US"/>
+              <a:t>CSC485B SUNY Plattsburgh</a:t>
+            </a:r>
+          </a:p>
+        </p:txBody>
+      </p:sp>
+      <p:sp>
+        <p:nvSpPr>
+          <p:cNvPr id="5" name="Slide Number Placeholder 4">
+            <a:extLst>
+              <a:ext uri="{FF2B5EF4-FFF2-40B4-BE49-F238E27FC236}">
+                <a16:creationId xmlns:a16="http://schemas.microsoft.com/office/drawing/2014/main" id="{9B2B3F3D-2A98-6FE1-5F00-813BDE13DE66}"/>
+              </a:ext>
+            </a:extLst>
+          </p:cNvPr>
+          <p:cNvSpPr>
+            <a:spLocks noGrp="1"/>
+          </p:cNvSpPr>
+          <p:nvPr>
+            <p:ph type="sldNum" sz="quarter" idx="12"/>
+          </p:nvPr>
+        </p:nvSpPr>
+        <p:spPr/>
+        <p:txBody>
+          <a:bodyPr/>
+          <a:lstStyle/>
+          <a:p>
+            <a:fld id="{73B850FF-6169-4056-8077-06FFA93A5366}" type="slidenum">
+              <a:rPr lang="en-US" smtClean="0"/>
+              <a:t>30</a:t>
+            </a:fld>
+            <a:endParaRPr lang="en-US" dirty="0"/>
+          </a:p>
+        </p:txBody>
+      </p:sp>
+      <p:pic>
+        <p:nvPicPr>
+          <p:cNvPr id="7" name="Picture 6">
+            <a:extLst>
+              <a:ext uri="{FF2B5EF4-FFF2-40B4-BE49-F238E27FC236}">
+                <a16:creationId xmlns:a16="http://schemas.microsoft.com/office/drawing/2014/main" id="{CF457E64-AE80-EE29-E79C-85ACC1E2846B}"/>
+              </a:ext>
+            </a:extLst>
+          </p:cNvPr>
+          <p:cNvPicPr>
+            <a:picLocks noChangeAspect="1"/>
+          </p:cNvPicPr>
+          <p:nvPr/>
+        </p:nvPicPr>
+        <p:blipFill>
+          <a:blip r:embed="rId2"/>
+          <a:stretch>
+            <a:fillRect/>
+          </a:stretch>
+        </p:blipFill>
+        <p:spPr>
+          <a:xfrm>
+            <a:off x="350150" y="1255405"/>
+            <a:ext cx="4254507" cy="2376567"/>
+          </a:xfrm>
+          <a:prstGeom prst="rect">
+            <a:avLst/>
+          </a:prstGeom>
+        </p:spPr>
+      </p:pic>
+      <p:pic>
+        <p:nvPicPr>
+          <p:cNvPr id="9" name="Picture 8">
+            <a:extLst>
+              <a:ext uri="{FF2B5EF4-FFF2-40B4-BE49-F238E27FC236}">
+                <a16:creationId xmlns:a16="http://schemas.microsoft.com/office/drawing/2014/main" id="{5DD200B2-364F-5A28-2F1A-A07A87E94DFF}"/>
+              </a:ext>
+            </a:extLst>
+          </p:cNvPr>
+          <p:cNvPicPr>
+            <a:picLocks noChangeAspect="1"/>
+          </p:cNvPicPr>
+          <p:nvPr/>
+        </p:nvPicPr>
+        <p:blipFill>
+          <a:blip r:embed="rId3"/>
+          <a:stretch>
+            <a:fillRect/>
+          </a:stretch>
+        </p:blipFill>
+        <p:spPr>
+          <a:xfrm>
+            <a:off x="350150" y="3733272"/>
+            <a:ext cx="4254507" cy="1551283"/>
+          </a:xfrm>
+          <a:prstGeom prst="rect">
+            <a:avLst/>
+          </a:prstGeom>
+        </p:spPr>
+      </p:pic>
+      <p:pic>
+        <p:nvPicPr>
+          <p:cNvPr id="11" name="Picture 10">
+            <a:extLst>
+              <a:ext uri="{FF2B5EF4-FFF2-40B4-BE49-F238E27FC236}">
+                <a16:creationId xmlns:a16="http://schemas.microsoft.com/office/drawing/2014/main" id="{BFF19ABC-D821-0090-1093-B611976931F6}"/>
+              </a:ext>
+            </a:extLst>
+          </p:cNvPr>
+          <p:cNvPicPr>
+            <a:picLocks noChangeAspect="1"/>
+          </p:cNvPicPr>
+          <p:nvPr/>
+        </p:nvPicPr>
+        <p:blipFill>
+          <a:blip r:embed="rId4"/>
+          <a:stretch>
+            <a:fillRect/>
+          </a:stretch>
+        </p:blipFill>
+        <p:spPr>
+          <a:xfrm>
+            <a:off x="4900618" y="1255405"/>
+            <a:ext cx="4544492" cy="3022681"/>
+          </a:xfrm>
+          <a:prstGeom prst="rect">
+            <a:avLst/>
+          </a:prstGeom>
+        </p:spPr>
+      </p:pic>
+      <p:pic>
+        <p:nvPicPr>
+          <p:cNvPr id="13" name="Picture 12">
+            <a:extLst>
+              <a:ext uri="{FF2B5EF4-FFF2-40B4-BE49-F238E27FC236}">
+                <a16:creationId xmlns:a16="http://schemas.microsoft.com/office/drawing/2014/main" id="{0F85E0B0-2785-B786-5728-EAA3ED4CFE68}"/>
+              </a:ext>
+            </a:extLst>
+          </p:cNvPr>
+          <p:cNvPicPr>
+            <a:picLocks noChangeAspect="1"/>
+          </p:cNvPicPr>
+          <p:nvPr/>
+        </p:nvPicPr>
+        <p:blipFill>
+          <a:blip r:embed="rId5"/>
+          <a:stretch>
+            <a:fillRect/>
+          </a:stretch>
+        </p:blipFill>
+        <p:spPr>
+          <a:xfrm>
+            <a:off x="4900618" y="4307157"/>
+            <a:ext cx="4731690" cy="1647329"/>
+          </a:xfrm>
+          <a:prstGeom prst="rect">
+            <a:avLst/>
+          </a:prstGeom>
+        </p:spPr>
+      </p:pic>
+    </p:spTree>
+    <p:extLst>
+      <p:ext uri="{BB962C8B-B14F-4D97-AF65-F5344CB8AC3E}">
+        <p14:creationId xmlns:p14="http://schemas.microsoft.com/office/powerpoint/2010/main" val="1862564051"/>
+      </p:ext>
+    </p:extLst>
+  </p:cSld>
+  <p:clrMapOvr>
+    <a:masterClrMapping/>
+  </p:clrMapOvr>
+</p:sld>
+</file>
+
+<file path=ppt/slides/slide31.xml><?xml version="1.0" encoding="utf-8"?>
+<p:sld xmlns:a="http://schemas.openxmlformats.org/drawingml/2006/main" xmlns:r="http://schemas.openxmlformats.org/officeDocument/2006/relationships" xmlns:p="http://schemas.openxmlformats.org/presentationml/2006/main">
+  <p:cSld>
+    <p:spTree>
+      <p:nvGrpSpPr>
+        <p:cNvPr id="1" name=""/>
+        <p:cNvGrpSpPr/>
+        <p:nvPr/>
+      </p:nvGrpSpPr>
+      <p:grpSpPr>
+        <a:xfrm>
+          <a:off x="0" y="0"/>
+          <a:ext cx="0" cy="0"/>
+          <a:chOff x="0" y="0"/>
+          <a:chExt cx="0" cy="0"/>
+        </a:xfrm>
+      </p:grpSpPr>
+      <p:sp>
+        <p:nvSpPr>
+          <p:cNvPr id="2" name="Title 1">
+            <a:extLst>
+              <a:ext uri="{FF2B5EF4-FFF2-40B4-BE49-F238E27FC236}">
+                <a16:creationId xmlns:a16="http://schemas.microsoft.com/office/drawing/2014/main" id="{FDCBEF50-08D5-625D-9FFB-1F0A383B2072}"/>
+              </a:ext>
+            </a:extLst>
+          </p:cNvPr>
+          <p:cNvSpPr>
+            <a:spLocks noGrp="1"/>
+          </p:cNvSpPr>
+          <p:nvPr>
+            <p:ph type="title"/>
+          </p:nvPr>
+        </p:nvSpPr>
+        <p:spPr/>
+        <p:txBody>
+          <a:bodyPr/>
+          <a:lstStyle/>
+          <a:p>
+            <a:r>
+              <a:rPr lang="en-US" dirty="0"/>
+              <a:t>BUT… AND…</a:t>
+            </a:r>
+          </a:p>
+        </p:txBody>
+      </p:sp>
+      <p:sp>
+        <p:nvSpPr>
+          <p:cNvPr id="3" name="Content Placeholder 2">
+            <a:extLst>
+              <a:ext uri="{FF2B5EF4-FFF2-40B4-BE49-F238E27FC236}">
+                <a16:creationId xmlns:a16="http://schemas.microsoft.com/office/drawing/2014/main" id="{F52E1FF7-004F-5061-E6F5-A5E255A7EC86}"/>
+              </a:ext>
+            </a:extLst>
+          </p:cNvPr>
+          <p:cNvSpPr>
+            <a:spLocks noGrp="1"/>
+          </p:cNvSpPr>
+          <p:nvPr>
+            <p:ph idx="1"/>
+          </p:nvPr>
+        </p:nvSpPr>
+        <p:spPr/>
+        <p:txBody>
+          <a:bodyPr/>
+          <a:lstStyle/>
+          <a:p>
+            <a:r>
+              <a:rPr lang="en-US" dirty="0"/>
+              <a:t>This is all SO problem-dependent</a:t>
+            </a:r>
+          </a:p>
+          <a:p>
+            <a:r>
+              <a:rPr lang="en-US" dirty="0"/>
+              <a:t>Know the options and try them</a:t>
+            </a:r>
+          </a:p>
+          <a:p>
+            <a:r>
+              <a:rPr lang="en-US" dirty="0"/>
+              <a:t>Remember that all these techniques are basically MADE UP</a:t>
+            </a:r>
+          </a:p>
+          <a:p>
+            <a:pPr lvl="1"/>
+            <a:r>
+              <a:rPr lang="en-US" dirty="0"/>
+              <a:t>Nothing sacred about any of them</a:t>
+            </a:r>
+          </a:p>
+          <a:p>
+            <a:pPr lvl="1"/>
+            <a:r>
+              <a:rPr lang="en-US" dirty="0"/>
+              <a:t>No reason you can’t invent your own</a:t>
+            </a:r>
+          </a:p>
+          <a:p>
+            <a:pPr lvl="1"/>
+            <a:r>
+              <a:rPr lang="en-US" dirty="0"/>
+              <a:t>Don’t try zillions of different approaches until the end of time, though!</a:t>
+            </a:r>
+          </a:p>
+        </p:txBody>
+      </p:sp>
+      <p:sp>
+        <p:nvSpPr>
+          <p:cNvPr id="4" name="Footer Placeholder 3">
+            <a:extLst>
+              <a:ext uri="{FF2B5EF4-FFF2-40B4-BE49-F238E27FC236}">
+                <a16:creationId xmlns:a16="http://schemas.microsoft.com/office/drawing/2014/main" id="{040CDD74-E51C-6B42-6A9A-E6C67DD58544}"/>
+              </a:ext>
+            </a:extLst>
+          </p:cNvPr>
+          <p:cNvSpPr>
+            <a:spLocks noGrp="1"/>
+          </p:cNvSpPr>
+          <p:nvPr>
+            <p:ph type="ftr" sz="quarter" idx="11"/>
+          </p:nvPr>
+        </p:nvSpPr>
+        <p:spPr/>
+        <p:txBody>
+          <a:bodyPr/>
+          <a:lstStyle/>
+          <a:p>
+            <a:r>
+              <a:rPr lang="en-US"/>
+              <a:t>CSC485B SUNY Plattsburgh</a:t>
+            </a:r>
+          </a:p>
+        </p:txBody>
+      </p:sp>
+      <p:sp>
+        <p:nvSpPr>
+          <p:cNvPr id="5" name="Slide Number Placeholder 4">
+            <a:extLst>
+              <a:ext uri="{FF2B5EF4-FFF2-40B4-BE49-F238E27FC236}">
+                <a16:creationId xmlns:a16="http://schemas.microsoft.com/office/drawing/2014/main" id="{B3329F09-7A8E-071D-3FF7-33512AD443BC}"/>
+              </a:ext>
+            </a:extLst>
+          </p:cNvPr>
+          <p:cNvSpPr>
+            <a:spLocks noGrp="1"/>
+          </p:cNvSpPr>
+          <p:nvPr>
+            <p:ph type="sldNum" sz="quarter" idx="12"/>
+          </p:nvPr>
+        </p:nvSpPr>
+        <p:spPr/>
+        <p:txBody>
+          <a:bodyPr/>
+          <a:lstStyle/>
+          <a:p>
+            <a:fld id="{73B850FF-6169-4056-8077-06FFA93A5366}" type="slidenum">
+              <a:rPr lang="en-US" smtClean="0"/>
+              <a:t>31</a:t>
+            </a:fld>
+            <a:endParaRPr lang="en-US" dirty="0"/>
+          </a:p>
+        </p:txBody>
+      </p:sp>
+    </p:spTree>
+    <p:extLst>
+      <p:ext uri="{BB962C8B-B14F-4D97-AF65-F5344CB8AC3E}">
+        <p14:creationId xmlns:p14="http://schemas.microsoft.com/office/powerpoint/2010/main" val="2044033976"/>
+      </p:ext>
+    </p:extLst>
+  </p:cSld>
+  <p:clrMapOvr>
+    <a:masterClrMapping/>
+  </p:clrMapOvr>
+</p:sld>
+</file>
+
+<file path=ppt/slides/slide32.xml><?xml version="1.0" encoding="utf-8"?>
+<p:sld xmlns:a="http://schemas.openxmlformats.org/drawingml/2006/main" xmlns:r="http://schemas.openxmlformats.org/officeDocument/2006/relationships" xmlns:p="http://schemas.openxmlformats.org/presentationml/2006/main">
+  <p:cSld>
+    <p:spTree>
+      <p:nvGrpSpPr>
+        <p:cNvPr id="1" name=""/>
+        <p:cNvGrpSpPr/>
+        <p:nvPr/>
+      </p:nvGrpSpPr>
+      <p:grpSpPr>
+        <a:xfrm>
+          <a:off x="0" y="0"/>
+          <a:ext cx="0" cy="0"/>
+          <a:chOff x="0" y="0"/>
+          <a:chExt cx="0" cy="0"/>
+        </a:xfrm>
+      </p:grpSpPr>
+      <p:sp>
+        <p:nvSpPr>
+          <p:cNvPr id="2" name="Title 1">
+            <a:extLst>
+              <a:ext uri="{FF2B5EF4-FFF2-40B4-BE49-F238E27FC236}">
+                <a16:creationId xmlns:a16="http://schemas.microsoft.com/office/drawing/2014/main" id="{5B8D437B-07B9-A4DD-5486-93EB62D47FFB}"/>
+              </a:ext>
+            </a:extLst>
+          </p:cNvPr>
+          <p:cNvSpPr>
+            <a:spLocks noGrp="1"/>
+          </p:cNvSpPr>
+          <p:nvPr>
+            <p:ph type="title"/>
+          </p:nvPr>
+        </p:nvSpPr>
+        <p:spPr/>
+        <p:txBody>
+          <a:bodyPr/>
+          <a:lstStyle/>
+          <a:p>
+            <a:r>
+              <a:rPr lang="en-US" dirty="0"/>
+              <a:t>How About in PyTorch?</a:t>
+            </a:r>
+          </a:p>
+        </p:txBody>
+      </p:sp>
+      <p:sp>
+        <p:nvSpPr>
+          <p:cNvPr id="4" name="Footer Placeholder 3">
+            <a:extLst>
+              <a:ext uri="{FF2B5EF4-FFF2-40B4-BE49-F238E27FC236}">
+                <a16:creationId xmlns:a16="http://schemas.microsoft.com/office/drawing/2014/main" id="{85FDCE21-1E8C-E750-DB2F-38448513F73A}"/>
+              </a:ext>
+            </a:extLst>
+          </p:cNvPr>
+          <p:cNvSpPr>
+            <a:spLocks noGrp="1"/>
+          </p:cNvSpPr>
+          <p:nvPr>
+            <p:ph type="ftr" sz="quarter" idx="11"/>
+          </p:nvPr>
+        </p:nvSpPr>
+        <p:spPr/>
+        <p:txBody>
+          <a:bodyPr/>
+          <a:lstStyle/>
+          <a:p>
+            <a:r>
+              <a:rPr lang="en-US"/>
+              <a:t>CSC485B SUNY Plattsburgh</a:t>
+            </a:r>
+          </a:p>
+        </p:txBody>
+      </p:sp>
+      <p:sp>
+        <p:nvSpPr>
+          <p:cNvPr id="5" name="Slide Number Placeholder 4">
+            <a:extLst>
+              <a:ext uri="{FF2B5EF4-FFF2-40B4-BE49-F238E27FC236}">
+                <a16:creationId xmlns:a16="http://schemas.microsoft.com/office/drawing/2014/main" id="{5D9029EB-5352-802C-777B-7CC23B19CD97}"/>
+              </a:ext>
+            </a:extLst>
+          </p:cNvPr>
+          <p:cNvSpPr>
+            <a:spLocks noGrp="1"/>
+          </p:cNvSpPr>
+          <p:nvPr>
+            <p:ph type="sldNum" sz="quarter" idx="12"/>
+          </p:nvPr>
+        </p:nvSpPr>
+        <p:spPr/>
+        <p:txBody>
+          <a:bodyPr/>
+          <a:lstStyle/>
+          <a:p>
+            <a:fld id="{73B850FF-6169-4056-8077-06FFA93A5366}" type="slidenum">
+              <a:rPr lang="en-US" smtClean="0"/>
+              <a:t>32</a:t>
+            </a:fld>
+            <a:endParaRPr lang="en-US" dirty="0"/>
+          </a:p>
+        </p:txBody>
+      </p:sp>
+      <p:sp>
+        <p:nvSpPr>
+          <p:cNvPr id="6" name="TextBox 5">
+            <a:extLst>
+              <a:ext uri="{FF2B5EF4-FFF2-40B4-BE49-F238E27FC236}">
+                <a16:creationId xmlns:a16="http://schemas.microsoft.com/office/drawing/2014/main" id="{908F5211-13B7-6C5D-B564-205A040B3457}"/>
+              </a:ext>
+            </a:extLst>
+          </p:cNvPr>
+          <p:cNvSpPr txBox="1"/>
+          <p:nvPr/>
+        </p:nvSpPr>
+        <p:spPr>
+          <a:xfrm>
+            <a:off x="2559278" y="2136618"/>
+            <a:ext cx="5423280" cy="1754326"/>
+          </a:xfrm>
+          <a:prstGeom prst="rect">
+            <a:avLst/>
+          </a:prstGeom>
+          <a:noFill/>
+        </p:spPr>
+        <p:txBody>
+          <a:bodyPr wrap="none" rtlCol="0">
+            <a:spAutoFit/>
+          </a:bodyPr>
+          <a:lstStyle/>
+          <a:p>
+            <a:r>
+              <a:rPr lang="en-US" dirty="0"/>
+              <a:t>What’s Optimization Look Like in PyTorch?</a:t>
+            </a:r>
+          </a:p>
+          <a:p>
+            <a:r>
+              <a:rPr lang="en-US" dirty="0">
+                <a:hlinkClick r:id="rId2"/>
+              </a:rPr>
+              <a:t>https://pytorch.org/docs/stable/optim.html</a:t>
+            </a:r>
+            <a:endParaRPr lang="en-US" dirty="0"/>
+          </a:p>
+          <a:p>
+            <a:endParaRPr lang="en-US" dirty="0"/>
+          </a:p>
+          <a:p>
+            <a:r>
+              <a:rPr lang="en-US" dirty="0"/>
+              <a:t>And: The COMPLETE PyTorch Zoo- a </a:t>
+            </a:r>
+            <a:r>
+              <a:rPr lang="en-US" dirty="0" err="1"/>
+              <a:t>runthrough</a:t>
+            </a:r>
+            <a:endParaRPr lang="en-US" dirty="0"/>
+          </a:p>
+          <a:p>
+            <a:r>
+              <a:rPr lang="en-US" dirty="0">
+                <a:hlinkClick r:id="rId3"/>
+              </a:rPr>
+              <a:t>https://pytorch.org/docs/stable/nn.html</a:t>
+            </a:r>
+            <a:endParaRPr lang="en-US" dirty="0"/>
+          </a:p>
+          <a:p>
+            <a:endParaRPr lang="en-US" dirty="0"/>
+          </a:p>
+        </p:txBody>
+      </p:sp>
+    </p:spTree>
+    <p:extLst>
+      <p:ext uri="{BB962C8B-B14F-4D97-AF65-F5344CB8AC3E}">
+        <p14:creationId xmlns:p14="http://schemas.microsoft.com/office/powerpoint/2010/main" val="110360489"/>
       </p:ext>
     </p:extLst>
   </p:cSld>
